--- a/src/docs/presentations/SAMM_Ueberblick.pptx
+++ b/src/docs/presentations/SAMM_Ueberblick.pptx
@@ -519,1057 +519,31 @@
           <a:lstStyle/>
           <a:p>
             <a:r>
-              <a:rPr lang="de-DE" dirty="0"/>
+              <a:rPr lang="en-US" dirty="0"/>
               <a:t>{</a:t>
             </a:r>
             <a:r>
-              <a:rPr lang="de-DE" dirty="0" err="1"/>
+              <a:rPr lang="en-US" dirty="0" err="1"/>
               <a:t>adoc</a:t>
             </a:r>
             <a:r>
-              <a:rPr lang="de-DE" dirty="0"/>
+              <a:rPr lang="en-US" dirty="0"/>
               <a:t>}</a:t>
             </a:r>
           </a:p>
           <a:p>
-            <a:endParaRPr lang="de-DE" sz="1200" b="0" kern="1200" dirty="0">
-              <a:solidFill>
-                <a:schemeClr val="tx1"/>
-              </a:solidFill>
-              <a:effectLst/>
-              <a:latin typeface="+mn-lt"/>
-              <a:ea typeface="+mn-ea"/>
-              <a:cs typeface="+mn-cs"/>
-            </a:endParaRPr>
-          </a:p>
-          <a:p>
-            <a:r>
-              <a:rPr lang="de-DE" sz="1200" b="0" kern="1200" dirty="0">
-                <a:solidFill>
-                  <a:schemeClr val="tx1"/>
-                </a:solidFill>
-                <a:effectLst/>
-                <a:latin typeface="+mn-lt"/>
-                <a:ea typeface="+mn-ea"/>
-                <a:cs typeface="+mn-cs"/>
-              </a:rPr>
-              <a:t>=== Historie der SAMM Inc.</a:t>
-            </a:r>
-          </a:p>
-          <a:p>
-            <a:endParaRPr lang="de-DE" sz="1200" b="0" kern="1200" dirty="0">
-              <a:solidFill>
-                <a:schemeClr val="tx1"/>
-              </a:solidFill>
-              <a:effectLst/>
-              <a:latin typeface="+mn-lt"/>
-              <a:ea typeface="+mn-ea"/>
-              <a:cs typeface="+mn-cs"/>
-            </a:endParaRPr>
-          </a:p>
-          <a:p>
-            <a:r>
-              <a:rPr lang="de-DE" sz="1200" b="0" kern="1200" dirty="0">
-                <a:solidFill>
-                  <a:schemeClr val="tx1"/>
-                </a:solidFill>
-                <a:effectLst/>
-                <a:latin typeface="+mn-lt"/>
-                <a:ea typeface="+mn-ea"/>
-                <a:cs typeface="+mn-cs"/>
-              </a:rPr>
-              <a:t>Die SAMM Inc. blickt auf eine langjährige und bewegte Geschichte zurück, geprägt Übernahmen und Fusionen in dynamischen Unternehmensmärkten.</a:t>
-            </a:r>
-          </a:p>
-          <a:p>
-            <a:endParaRPr lang="de-DE" sz="1200" b="0" kern="1200" dirty="0">
-              <a:solidFill>
-                <a:schemeClr val="tx1"/>
-              </a:solidFill>
-              <a:effectLst/>
-              <a:latin typeface="+mn-lt"/>
-              <a:ea typeface="+mn-ea"/>
-              <a:cs typeface="+mn-cs"/>
-            </a:endParaRPr>
-          </a:p>
-          <a:p>
-            <a:r>
-              <a:rPr lang="de-DE" sz="1200" b="0" kern="1200" dirty="0">
-                <a:solidFill>
-                  <a:schemeClr val="tx1"/>
-                </a:solidFill>
-                <a:effectLst/>
-                <a:latin typeface="+mn-lt"/>
-                <a:ea typeface="+mn-ea"/>
-                <a:cs typeface="+mn-cs"/>
-              </a:rPr>
-              <a:t>Nachfolgende Abbildung gibt einen Überblick:</a:t>
-            </a:r>
-          </a:p>
-          <a:p>
-            <a:endParaRPr lang="de-DE" dirty="0"/>
-          </a:p>
-          <a:p>
-            <a:r>
-              <a:rPr lang="de-DE" dirty="0"/>
-              <a:t>.</a:t>
-            </a:r>
-            <a:r>
-              <a:rPr lang="de-DE" dirty="0">
-                <a:effectLst/>
-              </a:rPr>
-              <a:t>Unternehmenshistorie</a:t>
-            </a:r>
-            <a:endParaRPr lang="de-DE" dirty="0"/>
-          </a:p>
-          <a:p>
-            <a:r>
-              <a:rPr lang="de-DE" dirty="0"/>
-              <a:t>{</a:t>
-            </a:r>
-            <a:r>
-              <a:rPr lang="de-DE" dirty="0" err="1"/>
-              <a:t>slide</a:t>
-            </a:r>
-            <a:r>
-              <a:rPr lang="de-DE" dirty="0"/>
-              <a:t>}</a:t>
-            </a:r>
-          </a:p>
-          <a:p>
-            <a:endParaRPr lang="de-DE" dirty="0"/>
-          </a:p>
-          <a:p>
-            <a:r>
-              <a:rPr lang="de-DE" dirty="0"/>
-              <a:t>[</a:t>
-            </a:r>
-            <a:r>
-              <a:rPr lang="de-DE" dirty="0" err="1"/>
-              <a:t>cols</a:t>
-            </a:r>
-            <a:r>
-              <a:rPr lang="de-DE" dirty="0"/>
-              <a:t>="1,4", </a:t>
-            </a:r>
-            <a:r>
-              <a:rPr lang="de-DE" dirty="0" err="1"/>
-              <a:t>options</a:t>
-            </a:r>
-            <a:r>
-              <a:rPr lang="de-DE" dirty="0"/>
-              <a:t>="</a:t>
-            </a:r>
-            <a:r>
-              <a:rPr lang="de-DE" dirty="0" err="1"/>
-              <a:t>header</a:t>
-            </a:r>
-            <a:r>
-              <a:rPr lang="de-DE" dirty="0"/>
-              <a:t>"]</a:t>
-            </a:r>
-          </a:p>
-          <a:p>
-            <a:r>
-              <a:rPr lang="de-DE" dirty="0"/>
-              <a:t>|===</a:t>
-            </a:r>
-          </a:p>
-          <a:p>
-            <a:r>
-              <a:rPr lang="de-DE" dirty="0">
-                <a:effectLst/>
-              </a:rPr>
-              <a:t>|SAMM Inc.</a:t>
-            </a:r>
-          </a:p>
-          <a:p>
-            <a:r>
-              <a:rPr lang="de-DE" dirty="0">
-                <a:effectLst/>
-              </a:rPr>
-              <a:t>|Die aktuelle Muttergesellschaft des Unternehmens.</a:t>
-            </a:r>
-          </a:p>
-          <a:p>
-            <a:endParaRPr lang="de-DE" sz="1200" b="0" kern="1200" dirty="0">
-              <a:solidFill>
-                <a:schemeClr val="tx1"/>
-              </a:solidFill>
-              <a:effectLst/>
-              <a:latin typeface="+mn-lt"/>
-              <a:ea typeface="+mn-ea"/>
-              <a:cs typeface="+mn-cs"/>
-            </a:endParaRPr>
-          </a:p>
-          <a:p>
-            <a:r>
-              <a:rPr lang="de-DE" sz="1200" b="0" kern="1200" dirty="0">
-                <a:solidFill>
-                  <a:schemeClr val="tx1"/>
-                </a:solidFill>
-                <a:effectLst/>
-                <a:latin typeface="+mn-lt"/>
-                <a:ea typeface="+mn-ea"/>
-                <a:cs typeface="+mn-cs"/>
-              </a:rPr>
-              <a:t>|Gelb Finance AG</a:t>
-            </a:r>
-          </a:p>
-          <a:p>
-            <a:r>
-              <a:rPr lang="de-DE" sz="1200" b="0" kern="1200" dirty="0">
-                <a:solidFill>
-                  <a:schemeClr val="tx1"/>
-                </a:solidFill>
-                <a:effectLst/>
-                <a:latin typeface="+mn-lt"/>
-                <a:ea typeface="+mn-ea"/>
-                <a:cs typeface="+mn-cs"/>
-              </a:rPr>
-              <a:t>|Equity- und Venture-Capital Gesellschaft gegründet, </a:t>
-            </a:r>
-            <a:r>
-              <a:rPr lang="de-DE" sz="1200" b="0" kern="1200" dirty="0" err="1">
-                <a:solidFill>
-                  <a:schemeClr val="tx1"/>
-                </a:solidFill>
-                <a:effectLst/>
-                <a:latin typeface="+mn-lt"/>
-                <a:ea typeface="+mn-ea"/>
-                <a:cs typeface="+mn-cs"/>
-              </a:rPr>
-              <a:t>Spezialsierung</a:t>
-            </a:r>
-            <a:r>
-              <a:rPr lang="de-DE" sz="1200" b="0" kern="1200" dirty="0">
-                <a:solidFill>
-                  <a:schemeClr val="tx1"/>
-                </a:solidFill>
-                <a:effectLst/>
-                <a:latin typeface="+mn-lt"/>
-                <a:ea typeface="+mn-ea"/>
-                <a:cs typeface="+mn-cs"/>
-              </a:rPr>
-              <a:t> auf Handel. Hat seit 2003 das strategische Wachstum der SAMM Inc. und ihrer Vorgängerunternehmen durch Investitionen und Co-Management unterstützt. Hält mittlerweile ca. 28% der Anteile. Steht in http://www.wirtschaftslexikon24.com/d/wechselseitig-beteiligte-unternehmen/wechselseitig-beteiligte-unternehmen.htm[</a:t>
-            </a:r>
-            <a:r>
-              <a:rPr lang="de-DE" dirty="0">
-                <a:hlinkClick r:id="rId3"/>
-              </a:rPr>
-              <a:t>wechselseitiger Beteiligung</a:t>
-            </a:r>
-            <a:r>
-              <a:rPr lang="de-DE" dirty="0"/>
-              <a:t>]</a:t>
-            </a:r>
-            <a:r>
-              <a:rPr lang="de-DE" sz="1200" b="0" kern="1200" dirty="0">
-                <a:solidFill>
-                  <a:schemeClr val="tx1"/>
-                </a:solidFill>
-                <a:effectLst/>
-                <a:latin typeface="+mn-lt"/>
-                <a:ea typeface="+mn-ea"/>
-                <a:cs typeface="+mn-cs"/>
-              </a:rPr>
-              <a:t> mit SAMM </a:t>
-            </a:r>
-            <a:r>
-              <a:rPr lang="de-DE" sz="1200" b="0" kern="1200" dirty="0" err="1">
-                <a:solidFill>
-                  <a:schemeClr val="tx1"/>
-                </a:solidFill>
-                <a:effectLst/>
-                <a:latin typeface="+mn-lt"/>
-                <a:ea typeface="+mn-ea"/>
-                <a:cs typeface="+mn-cs"/>
-              </a:rPr>
-              <a:t>Inc</a:t>
-            </a:r>
-            <a:r>
-              <a:rPr lang="de-DE" sz="1200" b="0" kern="1200" dirty="0">
-                <a:solidFill>
-                  <a:schemeClr val="tx1"/>
-                </a:solidFill>
-                <a:effectLst/>
-                <a:latin typeface="+mn-lt"/>
-                <a:ea typeface="+mn-ea"/>
-                <a:cs typeface="+mn-cs"/>
-              </a:rPr>
-              <a:t> (die ca. 42% der Anteile an Gelb Finance hält).</a:t>
-            </a:r>
-          </a:p>
-          <a:p>
-            <a:endParaRPr lang="de-DE" sz="1200" b="0" kern="1200" dirty="0">
-              <a:solidFill>
-                <a:schemeClr val="tx1"/>
-              </a:solidFill>
-              <a:effectLst/>
-              <a:latin typeface="+mn-lt"/>
-              <a:ea typeface="+mn-ea"/>
-              <a:cs typeface="+mn-cs"/>
-            </a:endParaRPr>
-          </a:p>
-          <a:p>
-            <a:r>
-              <a:rPr lang="de-DE" sz="1200" b="0" kern="1200" dirty="0">
-                <a:solidFill>
-                  <a:schemeClr val="tx1"/>
-                </a:solidFill>
-                <a:effectLst/>
-                <a:latin typeface="+mn-lt"/>
-                <a:ea typeface="+mn-ea"/>
-                <a:cs typeface="+mn-cs"/>
-              </a:rPr>
-              <a:t>|Grau GmbH</a:t>
-            </a:r>
-          </a:p>
-          <a:p>
-            <a:r>
-              <a:rPr lang="de-DE" sz="1200" b="0" kern="1200" dirty="0">
-                <a:solidFill>
-                  <a:schemeClr val="tx1"/>
-                </a:solidFill>
-                <a:effectLst/>
-                <a:latin typeface="+mn-lt"/>
-                <a:ea typeface="+mn-ea"/>
-                <a:cs typeface="+mn-cs"/>
-              </a:rPr>
-              <a:t>|1950 gegründetes Handelsunternehmen für Kleinmöbel, diverse Filialen vorrangig in Deutschland und Europa. Nach dem Rücktritt der Gründerin haben die Erben das Portfolio des Familienunternehmens stark erweitert und in Europa kleinere Unternehmen zugekauft. Schon früh setzten sie dabei auf Individualität als Verkaufsfaktor und steigerten dadurch Ertrag und Marktanteile kontinuierlich.</a:t>
-            </a:r>
-          </a:p>
-          <a:p>
-            <a:endParaRPr lang="de-DE" sz="1200" b="0" kern="1200" dirty="0">
-              <a:solidFill>
-                <a:schemeClr val="tx1"/>
-              </a:solidFill>
-              <a:effectLst/>
-              <a:latin typeface="+mn-lt"/>
-              <a:ea typeface="+mn-ea"/>
-              <a:cs typeface="+mn-cs"/>
-            </a:endParaRPr>
-          </a:p>
-          <a:p>
-            <a:r>
-              <a:rPr lang="de-DE" sz="1200" b="0" kern="1200" dirty="0">
-                <a:solidFill>
-                  <a:schemeClr val="tx1"/>
-                </a:solidFill>
-                <a:effectLst/>
-                <a:latin typeface="+mn-lt"/>
-                <a:ea typeface="+mn-ea"/>
-                <a:cs typeface="+mn-cs"/>
-              </a:rPr>
-              <a:t>|Rot AG</a:t>
-            </a:r>
-          </a:p>
-          <a:p>
-            <a:r>
-              <a:rPr lang="de-DE" sz="1200" b="0" kern="1200" dirty="0">
-                <a:solidFill>
-                  <a:schemeClr val="tx1"/>
-                </a:solidFill>
-                <a:effectLst/>
-                <a:latin typeface="+mn-lt"/>
-                <a:ea typeface="+mn-ea"/>
-                <a:cs typeface="+mn-cs"/>
-              </a:rPr>
-              <a:t>|Starkes Wachstum und globale Ausrichtung machten 1997 die Überführung in eine Aktiengesellschaft wirtschaftlich und rechtlich notwendig. 2001 Erste gegenseitige Beteiligung mit Gelb Finance.</a:t>
-            </a:r>
-          </a:p>
-          <a:p>
-            <a:endParaRPr lang="de-DE" sz="1200" b="0" kern="1200" dirty="0">
-              <a:solidFill>
-                <a:schemeClr val="tx1"/>
-              </a:solidFill>
-              <a:effectLst/>
-              <a:latin typeface="+mn-lt"/>
-              <a:ea typeface="+mn-ea"/>
-              <a:cs typeface="+mn-cs"/>
-            </a:endParaRPr>
-          </a:p>
-          <a:p>
-            <a:r>
-              <a:rPr lang="de-DE" sz="1200" b="0" kern="1200" dirty="0">
-                <a:solidFill>
-                  <a:schemeClr val="tx1"/>
-                </a:solidFill>
-                <a:effectLst/>
-                <a:latin typeface="+mn-lt"/>
-                <a:ea typeface="+mn-ea"/>
-                <a:cs typeface="+mn-cs"/>
-              </a:rPr>
-              <a:t>|Rot Holding /Europe</a:t>
-            </a:r>
-          </a:p>
-          <a:p>
-            <a:r>
-              <a:rPr lang="de-DE" sz="1200" b="0" kern="1200" dirty="0">
-                <a:solidFill>
-                  <a:schemeClr val="tx1"/>
-                </a:solidFill>
-                <a:effectLst/>
-                <a:latin typeface="+mn-lt"/>
-                <a:ea typeface="+mn-ea"/>
-                <a:cs typeface="+mn-cs"/>
-              </a:rPr>
-              <a:t>|Aufteilung in Holding-Struktur, Gründung einiger Landesgesellschaften für regulierte oder ausfuhrbeschränkte Märkte. Rechtsvorgängerin der SAMM Inc.</a:t>
-            </a:r>
-          </a:p>
-          <a:p>
-            <a:endParaRPr lang="de-DE" sz="1200" b="0" kern="1200" dirty="0">
-              <a:solidFill>
-                <a:schemeClr val="tx1"/>
-              </a:solidFill>
-              <a:effectLst/>
-              <a:latin typeface="+mn-lt"/>
-              <a:ea typeface="+mn-ea"/>
-              <a:cs typeface="+mn-cs"/>
-            </a:endParaRPr>
-          </a:p>
-          <a:p>
-            <a:r>
-              <a:rPr lang="de-DE" sz="1200" b="0" kern="1200" dirty="0">
-                <a:solidFill>
-                  <a:schemeClr val="tx1"/>
-                </a:solidFill>
-                <a:effectLst/>
-                <a:latin typeface="+mn-lt"/>
-                <a:ea typeface="+mn-ea"/>
-                <a:cs typeface="+mn-cs"/>
-              </a:rPr>
-              <a:t>|Dr. Blau &amp; Partner</a:t>
-            </a:r>
-          </a:p>
-          <a:p>
-            <a:r>
-              <a:rPr lang="de-DE" sz="1200" b="0" kern="1200" dirty="0">
-                <a:solidFill>
-                  <a:schemeClr val="tx1"/>
-                </a:solidFill>
-                <a:effectLst/>
-                <a:latin typeface="+mn-lt"/>
-                <a:ea typeface="+mn-ea"/>
-                <a:cs typeface="+mn-cs"/>
-              </a:rPr>
-              <a:t>|Ausgründung der Atlas Software. Koordination von Logistikleistungen, insbesondere für komplexe Produkte (wie Genehmigung, Entwurf, Konfiguration, Aufbau, Inbetriebnahme, Abnahme von Industrieanlagen). Frühzeitige Investition in die Vorgängerunternehmen der </a:t>
-            </a:r>
-            <a:r>
-              <a:rPr lang="de-DE" sz="1200" b="0" kern="1200" dirty="0" err="1">
-                <a:solidFill>
-                  <a:schemeClr val="tx1"/>
-                </a:solidFill>
-                <a:effectLst/>
-                <a:latin typeface="+mn-lt"/>
-                <a:ea typeface="+mn-ea"/>
-                <a:cs typeface="+mn-cs"/>
-              </a:rPr>
-              <a:t>WebDev</a:t>
-            </a:r>
-            <a:r>
-              <a:rPr lang="de-DE" sz="1200" b="0" kern="1200" dirty="0">
-                <a:solidFill>
-                  <a:schemeClr val="tx1"/>
-                </a:solidFill>
-                <a:effectLst/>
-                <a:latin typeface="+mn-lt"/>
-                <a:ea typeface="+mn-ea"/>
-                <a:cs typeface="+mn-cs"/>
-              </a:rPr>
-              <a:t> Inc.</a:t>
-            </a:r>
-          </a:p>
-          <a:p>
-            <a:endParaRPr lang="de-DE" sz="1200" b="0" kern="1200" dirty="0">
-              <a:solidFill>
-                <a:schemeClr val="tx1"/>
-              </a:solidFill>
-              <a:effectLst/>
-              <a:latin typeface="+mn-lt"/>
-              <a:ea typeface="+mn-ea"/>
-              <a:cs typeface="+mn-cs"/>
-            </a:endParaRPr>
-          </a:p>
-          <a:p>
-            <a:r>
-              <a:rPr lang="de-DE" sz="1200" b="0" kern="1200" dirty="0">
-                <a:solidFill>
-                  <a:schemeClr val="tx1"/>
-                </a:solidFill>
-                <a:effectLst/>
-                <a:latin typeface="+mn-lt"/>
-                <a:ea typeface="+mn-ea"/>
-                <a:cs typeface="+mn-cs"/>
-              </a:rPr>
-              <a:t>|</a:t>
-            </a:r>
-            <a:r>
-              <a:rPr lang="de-DE" sz="1200" b="0" kern="1200" dirty="0" err="1">
-                <a:solidFill>
-                  <a:schemeClr val="tx1"/>
-                </a:solidFill>
-                <a:effectLst/>
-                <a:latin typeface="+mn-lt"/>
-                <a:ea typeface="+mn-ea"/>
-                <a:cs typeface="+mn-cs"/>
-              </a:rPr>
-              <a:t>WebDev</a:t>
-            </a:r>
-            <a:r>
-              <a:rPr lang="de-DE" sz="1200" b="0" kern="1200" dirty="0">
-                <a:solidFill>
-                  <a:schemeClr val="tx1"/>
-                </a:solidFill>
-                <a:effectLst/>
-                <a:latin typeface="+mn-lt"/>
-                <a:ea typeface="+mn-ea"/>
-                <a:cs typeface="+mn-cs"/>
-              </a:rPr>
-              <a:t>, Inc.</a:t>
-            </a:r>
-          </a:p>
-          <a:p>
-            <a:r>
-              <a:rPr lang="de-DE" sz="1200" b="0" kern="1200" dirty="0">
-                <a:solidFill>
-                  <a:schemeClr val="tx1"/>
-                </a:solidFill>
-                <a:effectLst/>
-                <a:latin typeface="+mn-lt"/>
-                <a:ea typeface="+mn-ea"/>
-                <a:cs typeface="+mn-cs"/>
-              </a:rPr>
-              <a:t>|Gegründet als Anbieter von eCommerce Dienstleistungen, insbesondere Softwareentwicklung. Langjährige Erfahrung in webbasierten Verkaufsplattformen, Konzeption und Entwicklung von Webshops, Integration von online-Zahlungsdiensten. 2002 erwirbt die Rot AG erste Anteile, 2010 übernimmt SAMM Inc. die </a:t>
-            </a:r>
-            <a:r>
-              <a:rPr lang="de-DE" sz="1200" b="0" kern="1200" dirty="0" err="1">
-                <a:solidFill>
-                  <a:schemeClr val="tx1"/>
-                </a:solidFill>
-                <a:effectLst/>
-                <a:latin typeface="+mn-lt"/>
-                <a:ea typeface="+mn-ea"/>
-                <a:cs typeface="+mn-cs"/>
-              </a:rPr>
-              <a:t>WebDev</a:t>
-            </a:r>
-            <a:r>
-              <a:rPr lang="de-DE" sz="1200" b="0" kern="1200" dirty="0">
-                <a:solidFill>
-                  <a:schemeClr val="tx1"/>
-                </a:solidFill>
-                <a:effectLst/>
-                <a:latin typeface="+mn-lt"/>
-                <a:ea typeface="+mn-ea"/>
-                <a:cs typeface="+mn-cs"/>
-              </a:rPr>
-              <a:t> zu 100%.</a:t>
-            </a:r>
-          </a:p>
-          <a:p>
-            <a:endParaRPr lang="de-DE" sz="1200" b="0" kern="1200" dirty="0">
-              <a:solidFill>
-                <a:schemeClr val="tx1"/>
-              </a:solidFill>
-              <a:effectLst/>
-              <a:latin typeface="+mn-lt"/>
-              <a:ea typeface="+mn-ea"/>
-              <a:cs typeface="+mn-cs"/>
-            </a:endParaRPr>
-          </a:p>
-          <a:p>
-            <a:r>
-              <a:rPr lang="de-DE" sz="1200" b="0" kern="1200" dirty="0">
-                <a:solidFill>
-                  <a:schemeClr val="tx1"/>
-                </a:solidFill>
-                <a:effectLst/>
-                <a:latin typeface="+mn-lt"/>
-                <a:ea typeface="+mn-ea"/>
-                <a:cs typeface="+mn-cs"/>
-              </a:rPr>
-              <a:t>|Atlas Software GmbH &amp; Co. KG</a:t>
-            </a:r>
-          </a:p>
-          <a:p>
-            <a:r>
-              <a:rPr lang="de-DE" sz="1200" b="0" kern="1200" dirty="0">
-                <a:solidFill>
-                  <a:schemeClr val="tx1"/>
-                </a:solidFill>
-                <a:effectLst/>
-                <a:latin typeface="+mn-lt"/>
-                <a:ea typeface="+mn-ea"/>
-                <a:cs typeface="+mn-cs"/>
-              </a:rPr>
-              <a:t>|Anbieter von Standardsoftware für öffentliche und staatliche Unternehmen in Europa, Schwerpunkt Planung und Abwicklung internationaler Waren- und Leistungsverkehre, Zoll- und Steuerabwicklung, Organisation und Koordination von Transportlogistik.</a:t>
-            </a:r>
-          </a:p>
-          <a:p>
-            <a:endParaRPr lang="de-DE" sz="1200" b="0" kern="1200" dirty="0">
-              <a:solidFill>
-                <a:schemeClr val="tx1"/>
-              </a:solidFill>
-              <a:effectLst/>
-              <a:latin typeface="+mn-lt"/>
-              <a:ea typeface="+mn-ea"/>
-              <a:cs typeface="+mn-cs"/>
-            </a:endParaRPr>
-          </a:p>
-          <a:p>
-            <a:r>
-              <a:rPr lang="de-DE" sz="1200" b="0" kern="1200" dirty="0">
-                <a:solidFill>
-                  <a:schemeClr val="tx1"/>
-                </a:solidFill>
-                <a:effectLst/>
-                <a:latin typeface="+mn-lt"/>
-                <a:ea typeface="+mn-ea"/>
-                <a:cs typeface="+mn-cs"/>
-              </a:rPr>
-              <a:t>|</a:t>
-            </a:r>
-            <a:r>
-              <a:rPr lang="de-DE" sz="1200" b="0" kern="1200" dirty="0" err="1">
-                <a:solidFill>
-                  <a:schemeClr val="tx1"/>
-                </a:solidFill>
-                <a:effectLst/>
-                <a:latin typeface="+mn-lt"/>
-                <a:ea typeface="+mn-ea"/>
-                <a:cs typeface="+mn-cs"/>
-              </a:rPr>
-              <a:t>Hodor</a:t>
-            </a:r>
-            <a:r>
-              <a:rPr lang="de-DE" sz="1200" b="0" kern="1200" dirty="0">
-                <a:solidFill>
-                  <a:schemeClr val="tx1"/>
-                </a:solidFill>
-                <a:effectLst/>
-                <a:latin typeface="+mn-lt"/>
-                <a:ea typeface="+mn-ea"/>
-                <a:cs typeface="+mn-cs"/>
-              </a:rPr>
-              <a:t> KG</a:t>
-            </a:r>
-          </a:p>
-          <a:p>
-            <a:r>
-              <a:rPr lang="de-DE" sz="1200" b="0" kern="1200" dirty="0">
-                <a:solidFill>
-                  <a:schemeClr val="tx1"/>
-                </a:solidFill>
-                <a:effectLst/>
-                <a:latin typeface="+mn-lt"/>
-                <a:ea typeface="+mn-ea"/>
-                <a:cs typeface="+mn-cs"/>
-              </a:rPr>
-              <a:t>|Ingenieurbüro mit Schwerpunkt auf Datenkonvertierung und optische Archivierung. 2003 von </a:t>
-            </a:r>
-            <a:r>
-              <a:rPr lang="de-DE" sz="1200" b="0" kern="1200" dirty="0" err="1">
-                <a:solidFill>
-                  <a:schemeClr val="tx1"/>
-                </a:solidFill>
-                <a:effectLst/>
-                <a:latin typeface="+mn-lt"/>
-                <a:ea typeface="+mn-ea"/>
-                <a:cs typeface="+mn-cs"/>
-              </a:rPr>
-              <a:t>WebDev</a:t>
-            </a:r>
-            <a:r>
-              <a:rPr lang="de-DE" sz="1200" b="0" kern="1200" dirty="0">
-                <a:solidFill>
-                  <a:schemeClr val="tx1"/>
-                </a:solidFill>
-                <a:effectLst/>
-                <a:latin typeface="+mn-lt"/>
-                <a:ea typeface="+mn-ea"/>
-                <a:cs typeface="+mn-cs"/>
-              </a:rPr>
-              <a:t> Inc. übernommen.</a:t>
-            </a:r>
-          </a:p>
-          <a:p>
-            <a:endParaRPr lang="de-DE" sz="1200" b="0" kern="1200" dirty="0">
-              <a:solidFill>
-                <a:schemeClr val="tx1"/>
-              </a:solidFill>
-              <a:effectLst/>
-              <a:latin typeface="+mn-lt"/>
-              <a:ea typeface="+mn-ea"/>
-              <a:cs typeface="+mn-cs"/>
-            </a:endParaRPr>
-          </a:p>
-          <a:p>
-            <a:r>
-              <a:rPr lang="de-DE" sz="1200" b="0" kern="1200" dirty="0">
-                <a:solidFill>
-                  <a:schemeClr val="tx1"/>
-                </a:solidFill>
-                <a:effectLst/>
-                <a:latin typeface="+mn-lt"/>
-                <a:ea typeface="+mn-ea"/>
-                <a:cs typeface="+mn-cs"/>
-              </a:rPr>
-              <a:t>|SAMM Magyar </a:t>
-            </a:r>
-            <a:r>
-              <a:rPr lang="de-DE" sz="1200" b="0" kern="1200" dirty="0" err="1">
-                <a:solidFill>
-                  <a:schemeClr val="tx1"/>
-                </a:solidFill>
-                <a:effectLst/>
-                <a:latin typeface="+mn-lt"/>
-                <a:ea typeface="+mn-ea"/>
-                <a:cs typeface="+mn-cs"/>
-              </a:rPr>
-              <a:t>Zrt</a:t>
-            </a:r>
-            <a:endParaRPr lang="de-DE" sz="1200" b="0" kern="1200" dirty="0">
-              <a:solidFill>
-                <a:schemeClr val="tx1"/>
-              </a:solidFill>
-              <a:effectLst/>
-              <a:latin typeface="+mn-lt"/>
-              <a:ea typeface="+mn-ea"/>
-              <a:cs typeface="+mn-cs"/>
-            </a:endParaRPr>
-          </a:p>
-          <a:p>
-            <a:r>
-              <a:rPr lang="de-DE" sz="1200" b="0" kern="1200" dirty="0">
-                <a:solidFill>
-                  <a:schemeClr val="tx1"/>
-                </a:solidFill>
-                <a:effectLst/>
-                <a:latin typeface="+mn-lt"/>
-                <a:ea typeface="+mn-ea"/>
-                <a:cs typeface="+mn-cs"/>
-              </a:rPr>
-              <a:t>|2008 übernahm Rot Holding einen ungarischen IT-Anbieter, spezialisiert auf </a:t>
-            </a:r>
-            <a:r>
-              <a:rPr lang="de-DE" sz="1200" b="0" i="1" kern="1200" dirty="0" err="1">
-                <a:solidFill>
-                  <a:schemeClr val="tx1"/>
-                </a:solidFill>
-                <a:effectLst/>
-                <a:latin typeface="+mn-lt"/>
-                <a:ea typeface="+mn-ea"/>
-                <a:cs typeface="+mn-cs"/>
-              </a:rPr>
-              <a:t>cross</a:t>
-            </a:r>
-            <a:r>
-              <a:rPr lang="de-DE" sz="1200" b="0" i="1" kern="1200" dirty="0">
-                <a:solidFill>
-                  <a:schemeClr val="tx1"/>
-                </a:solidFill>
-                <a:effectLst/>
-                <a:latin typeface="+mn-lt"/>
-                <a:ea typeface="+mn-ea"/>
-                <a:cs typeface="+mn-cs"/>
-              </a:rPr>
-              <a:t> </a:t>
-            </a:r>
-            <a:r>
-              <a:rPr lang="de-DE" sz="1200" b="0" i="1" kern="1200" dirty="0" err="1">
-                <a:solidFill>
-                  <a:schemeClr val="tx1"/>
-                </a:solidFill>
-                <a:effectLst/>
-                <a:latin typeface="+mn-lt"/>
-                <a:ea typeface="+mn-ea"/>
-                <a:cs typeface="+mn-cs"/>
-              </a:rPr>
-              <a:t>border</a:t>
-            </a:r>
-            <a:r>
-              <a:rPr lang="de-DE" sz="1200" b="0" i="1" kern="1200" dirty="0">
-                <a:solidFill>
-                  <a:schemeClr val="tx1"/>
-                </a:solidFill>
-                <a:effectLst/>
-                <a:latin typeface="+mn-lt"/>
-                <a:ea typeface="+mn-ea"/>
-                <a:cs typeface="+mn-cs"/>
-              </a:rPr>
-              <a:t> </a:t>
-            </a:r>
-            <a:r>
-              <a:rPr lang="de-DE" sz="1200" b="0" i="1" kern="1200" dirty="0" err="1">
-                <a:solidFill>
-                  <a:schemeClr val="tx1"/>
-                </a:solidFill>
-                <a:effectLst/>
-                <a:latin typeface="+mn-lt"/>
-                <a:ea typeface="+mn-ea"/>
-                <a:cs typeface="+mn-cs"/>
-              </a:rPr>
-              <a:t>business</a:t>
-            </a:r>
-            <a:r>
-              <a:rPr lang="de-DE" sz="1200" b="0" i="1" kern="1200" dirty="0">
-                <a:solidFill>
-                  <a:schemeClr val="tx1"/>
-                </a:solidFill>
-                <a:effectLst/>
-                <a:latin typeface="+mn-lt"/>
-                <a:ea typeface="+mn-ea"/>
-                <a:cs typeface="+mn-cs"/>
-              </a:rPr>
-              <a:t> </a:t>
-            </a:r>
-            <a:r>
-              <a:rPr lang="de-DE" sz="1200" b="0" i="1" kern="1200" dirty="0" err="1">
-                <a:solidFill>
-                  <a:schemeClr val="tx1"/>
-                </a:solidFill>
-                <a:effectLst/>
-                <a:latin typeface="+mn-lt"/>
-                <a:ea typeface="+mn-ea"/>
-                <a:cs typeface="+mn-cs"/>
-              </a:rPr>
-              <a:t>process</a:t>
-            </a:r>
-            <a:r>
-              <a:rPr lang="de-DE" sz="1200" b="0" i="1" kern="1200" dirty="0">
-                <a:solidFill>
-                  <a:schemeClr val="tx1"/>
-                </a:solidFill>
-                <a:effectLst/>
-                <a:latin typeface="+mn-lt"/>
-                <a:ea typeface="+mn-ea"/>
-                <a:cs typeface="+mn-cs"/>
-              </a:rPr>
-              <a:t> </a:t>
-            </a:r>
-            <a:r>
-              <a:rPr lang="de-DE" sz="1200" b="0" i="1" kern="1200" dirty="0" err="1">
-                <a:solidFill>
-                  <a:schemeClr val="tx1"/>
-                </a:solidFill>
-                <a:effectLst/>
-                <a:latin typeface="+mn-lt"/>
-                <a:ea typeface="+mn-ea"/>
-                <a:cs typeface="+mn-cs"/>
-              </a:rPr>
-              <a:t>outsourcing</a:t>
-            </a:r>
-            <a:r>
-              <a:rPr lang="de-DE" sz="1200" b="0" kern="1200" dirty="0">
-                <a:solidFill>
-                  <a:schemeClr val="tx1"/>
-                </a:solidFill>
-                <a:effectLst/>
-                <a:latin typeface="+mn-lt"/>
-                <a:ea typeface="+mn-ea"/>
-                <a:cs typeface="+mn-cs"/>
-              </a:rPr>
-              <a:t> (CBBPO). </a:t>
-            </a:r>
-            <a:r>
-              <a:rPr lang="de-DE" sz="1200" b="0" kern="1200" dirty="0" err="1">
-                <a:solidFill>
-                  <a:schemeClr val="tx1"/>
-                </a:solidFill>
-                <a:effectLst/>
-                <a:latin typeface="+mn-lt"/>
-                <a:ea typeface="+mn-ea"/>
-                <a:cs typeface="+mn-cs"/>
-                <a:hlinkClick r:id="rId4"/>
-              </a:rPr>
-              <a:t>Infopark</a:t>
-            </a:r>
-            <a:r>
-              <a:rPr lang="de-DE" sz="1200" b="0" kern="1200" dirty="0">
-                <a:solidFill>
-                  <a:schemeClr val="tx1"/>
-                </a:solidFill>
-                <a:effectLst/>
-                <a:latin typeface="+mn-lt"/>
-                <a:ea typeface="+mn-ea"/>
-                <a:cs typeface="+mn-cs"/>
-                <a:hlinkClick r:id="rId4"/>
-              </a:rPr>
-              <a:t> Innovation </a:t>
-            </a:r>
-            <a:r>
-              <a:rPr lang="de-DE" sz="1200" b="0" kern="1200" dirty="0" err="1">
-                <a:solidFill>
-                  <a:schemeClr val="tx1"/>
-                </a:solidFill>
-                <a:effectLst/>
-                <a:latin typeface="+mn-lt"/>
-                <a:ea typeface="+mn-ea"/>
-                <a:cs typeface="+mn-cs"/>
-                <a:hlinkClick r:id="rId4"/>
-              </a:rPr>
-              <a:t>Centre</a:t>
-            </a:r>
-            <a:r>
-              <a:rPr lang="de-DE" sz="1200" b="0" kern="1200" dirty="0">
-                <a:solidFill>
-                  <a:schemeClr val="tx1"/>
-                </a:solidFill>
-                <a:effectLst/>
-                <a:latin typeface="+mn-lt"/>
-                <a:ea typeface="+mn-ea"/>
-                <a:cs typeface="+mn-cs"/>
-              </a:rPr>
-              <a:t>, Budapest, </a:t>
-            </a:r>
-            <a:r>
-              <a:rPr lang="de-DE" sz="1200" b="0" kern="1200" dirty="0" err="1">
-                <a:solidFill>
-                  <a:schemeClr val="tx1"/>
-                </a:solidFill>
-                <a:effectLst/>
-                <a:latin typeface="+mn-lt"/>
-                <a:ea typeface="+mn-ea"/>
-                <a:cs typeface="+mn-cs"/>
-              </a:rPr>
-              <a:t>Hungary</a:t>
-            </a:r>
-            <a:endParaRPr lang="de-DE" sz="1200" b="0" kern="1200" dirty="0">
-              <a:solidFill>
-                <a:schemeClr val="tx1"/>
-              </a:solidFill>
-              <a:effectLst/>
-              <a:latin typeface="+mn-lt"/>
-              <a:ea typeface="+mn-ea"/>
-              <a:cs typeface="+mn-cs"/>
-            </a:endParaRPr>
-          </a:p>
-          <a:p>
-            <a:endParaRPr lang="de-DE" sz="1200" b="0" kern="1200" dirty="0">
-              <a:solidFill>
-                <a:schemeClr val="tx1"/>
-              </a:solidFill>
-              <a:effectLst/>
-              <a:latin typeface="+mn-lt"/>
-              <a:ea typeface="+mn-ea"/>
-              <a:cs typeface="+mn-cs"/>
-            </a:endParaRPr>
-          </a:p>
-          <a:p>
-            <a:r>
-              <a:rPr lang="de-DE" sz="1200" b="0" kern="1200" dirty="0">
-                <a:solidFill>
-                  <a:schemeClr val="tx1"/>
-                </a:solidFill>
-                <a:effectLst/>
-                <a:latin typeface="+mn-lt"/>
-                <a:ea typeface="+mn-ea"/>
-                <a:cs typeface="+mn-cs"/>
-              </a:rPr>
-              <a:t>|SAMM Urdu Ltd</a:t>
-            </a:r>
-          </a:p>
-          <a:p>
-            <a:r>
-              <a:rPr lang="de-DE" sz="1200" b="0" kern="1200" dirty="0">
-                <a:solidFill>
-                  <a:schemeClr val="tx1"/>
-                </a:solidFill>
-                <a:effectLst/>
-                <a:latin typeface="+mn-lt"/>
-                <a:ea typeface="+mn-ea"/>
-                <a:cs typeface="+mn-cs"/>
-                <a:hlinkClick r:id="rId5"/>
-              </a:rPr>
-              <a:t>|</a:t>
-            </a:r>
-            <a:r>
-              <a:rPr lang="de-DE" sz="1200" b="0" kern="1200" dirty="0" err="1">
-                <a:solidFill>
-                  <a:schemeClr val="tx1"/>
-                </a:solidFill>
-                <a:effectLst/>
-                <a:latin typeface="+mn-lt"/>
-                <a:ea typeface="+mn-ea"/>
-                <a:cs typeface="+mn-cs"/>
-                <a:hlinkClick r:id="rId5"/>
-              </a:rPr>
-              <a:t>Arfa</a:t>
-            </a:r>
-            <a:r>
-              <a:rPr lang="de-DE" sz="1200" b="0" kern="1200" dirty="0">
-                <a:solidFill>
-                  <a:schemeClr val="tx1"/>
-                </a:solidFill>
-                <a:effectLst/>
-                <a:latin typeface="+mn-lt"/>
-                <a:ea typeface="+mn-ea"/>
-                <a:cs typeface="+mn-cs"/>
-                <a:hlinkClick r:id="rId5"/>
-              </a:rPr>
-              <a:t> Technology Park</a:t>
-            </a:r>
-            <a:r>
-              <a:rPr lang="de-DE" sz="1200" b="0" kern="1200" dirty="0">
-                <a:solidFill>
-                  <a:schemeClr val="tx1"/>
-                </a:solidFill>
-                <a:effectLst/>
-                <a:latin typeface="+mn-lt"/>
-                <a:ea typeface="+mn-ea"/>
-                <a:cs typeface="+mn-cs"/>
-              </a:rPr>
-              <a:t>, Lahore, Pakistan.</a:t>
-            </a:r>
-          </a:p>
-          <a:p>
-            <a:endParaRPr lang="de-DE" sz="1200" b="0" kern="1200" dirty="0">
-              <a:solidFill>
-                <a:schemeClr val="tx1"/>
-              </a:solidFill>
-              <a:effectLst/>
-              <a:latin typeface="+mn-lt"/>
-              <a:ea typeface="+mn-ea"/>
-              <a:cs typeface="+mn-cs"/>
-            </a:endParaRPr>
-          </a:p>
-          <a:p>
-            <a:r>
-              <a:rPr lang="de-DE" sz="1200" b="0" kern="1200" dirty="0">
-                <a:solidFill>
-                  <a:schemeClr val="tx1"/>
-                </a:solidFill>
-                <a:effectLst/>
-                <a:latin typeface="+mn-lt"/>
-                <a:ea typeface="+mn-ea"/>
-                <a:cs typeface="+mn-cs"/>
-              </a:rPr>
-              <a:t>|Sure Data Inc.</a:t>
-            </a:r>
-          </a:p>
-          <a:p>
-            <a:r>
-              <a:rPr lang="de-DE" sz="1200" b="0" kern="1200" dirty="0">
-                <a:solidFill>
-                  <a:schemeClr val="tx1"/>
-                </a:solidFill>
-                <a:effectLst/>
-                <a:latin typeface="+mn-lt"/>
-                <a:ea typeface="+mn-ea"/>
-                <a:cs typeface="+mn-cs"/>
-              </a:rPr>
-              <a:t>Rechenzentrumsdienstleistung, betreibt hochverfügbare Rechenzentren in EMEA, Amerika und Asien. SAMM Inc. hat bereits in 2005 etwa 25% der Anteile übernommen. Leistet den kompletten IT-Betrieb für SAMM Inc.</a:t>
-            </a:r>
-          </a:p>
-          <a:p>
-            <a:endParaRPr lang="de-DE" dirty="0"/>
-          </a:p>
-          <a:p>
-            <a:r>
-              <a:rPr lang="de-DE" dirty="0"/>
-              <a:t>|===</a:t>
-            </a:r>
+            <a:endParaRPr lang="en-US" dirty="0"/>
+          </a:p>
+          <a:p>
+            <a:r>
+              <a:rPr lang="en-US" dirty="0"/>
+              <a:t>== </a:t>
+            </a:r>
+            <a:r>
+              <a:rPr lang="en-US" dirty="0" err="1"/>
+              <a:t>Firmenüberblick</a:t>
+            </a:r>
+            <a:endParaRPr lang="en-US" dirty="0"/>
           </a:p>
           <a:p>
             <a:endParaRPr lang="de-DE" dirty="0"/>
@@ -1593,7 +567,7 @@
           <a:p>
             <a:fld id="{6F4027FC-A791-4169-9F64-57CEBBE8DA16}" type="slidenum">
               <a:rPr lang="de-DE" smtClean="0"/>
-              <a:t>2</a:t>
+              <a:t>1</a:t>
             </a:fld>
             <a:endParaRPr lang="de-DE"/>
           </a:p>
@@ -1602,7 +576,7 @@
     </p:spTree>
     <p:extLst>
       <p:ext uri="{BB962C8B-B14F-4D97-AF65-F5344CB8AC3E}">
-        <p14:creationId xmlns:p14="http://schemas.microsoft.com/office/powerpoint/2010/main" val="226498771"/>
+        <p14:creationId xmlns:p14="http://schemas.microsoft.com/office/powerpoint/2010/main" val="2766020366"/>
       </p:ext>
     </p:extLst>
   </p:cSld>
@@ -1670,10 +644,1148 @@
             </a:r>
           </a:p>
           <a:p>
+            <a:endParaRPr lang="de-DE" sz="1200" b="0" kern="1200" dirty="0">
+              <a:solidFill>
+                <a:schemeClr val="tx1"/>
+              </a:solidFill>
+              <a:effectLst/>
+              <a:latin typeface="+mn-lt"/>
+              <a:ea typeface="+mn-ea"/>
+              <a:cs typeface="+mn-cs"/>
+            </a:endParaRPr>
+          </a:p>
+          <a:p>
+            <a:r>
+              <a:rPr lang="de-DE" sz="1200" b="0" kern="1200" dirty="0">
+                <a:solidFill>
+                  <a:schemeClr val="tx1"/>
+                </a:solidFill>
+                <a:effectLst/>
+                <a:latin typeface="+mn-lt"/>
+                <a:ea typeface="+mn-ea"/>
+                <a:cs typeface="+mn-cs"/>
+              </a:rPr>
+              <a:t>=== Historie der SAMM Inc.</a:t>
+            </a:r>
+          </a:p>
+          <a:p>
+            <a:endParaRPr lang="de-DE" sz="1200" b="0" kern="1200" dirty="0">
+              <a:solidFill>
+                <a:schemeClr val="tx1"/>
+              </a:solidFill>
+              <a:effectLst/>
+              <a:latin typeface="+mn-lt"/>
+              <a:ea typeface="+mn-ea"/>
+              <a:cs typeface="+mn-cs"/>
+            </a:endParaRPr>
+          </a:p>
+          <a:p>
+            <a:r>
+              <a:rPr lang="de-DE" sz="1200" b="0" kern="1200" dirty="0">
+                <a:solidFill>
+                  <a:schemeClr val="tx1"/>
+                </a:solidFill>
+                <a:effectLst/>
+                <a:latin typeface="+mn-lt"/>
+                <a:ea typeface="+mn-ea"/>
+                <a:cs typeface="+mn-cs"/>
+              </a:rPr>
+              <a:t>Die SAMM Inc. blickt auf eine langjährige und bewegte Geschichte zurück, geprägt Übernahmen und Fusionen in dynamischen Unternehmensmärkten.</a:t>
+            </a:r>
+          </a:p>
+          <a:p>
+            <a:endParaRPr lang="de-DE" sz="1200" b="0" kern="1200" dirty="0">
+              <a:solidFill>
+                <a:schemeClr val="tx1"/>
+              </a:solidFill>
+              <a:effectLst/>
+              <a:latin typeface="+mn-lt"/>
+              <a:ea typeface="+mn-ea"/>
+              <a:cs typeface="+mn-cs"/>
+            </a:endParaRPr>
+          </a:p>
+          <a:p>
+            <a:r>
+              <a:rPr lang="de-DE" sz="1200" b="0" kern="1200" dirty="0">
+                <a:solidFill>
+                  <a:schemeClr val="tx1"/>
+                </a:solidFill>
+                <a:effectLst/>
+                <a:latin typeface="+mn-lt"/>
+                <a:ea typeface="+mn-ea"/>
+                <a:cs typeface="+mn-cs"/>
+              </a:rPr>
+              <a:t>Nachfolgende Abbildung gibt einen Überblick:</a:t>
+            </a:r>
+          </a:p>
+          <a:p>
             <a:endParaRPr lang="de-DE" dirty="0"/>
           </a:p>
           <a:p>
             <a:r>
+              <a:rPr lang="de-DE" dirty="0"/>
+              <a:t>.</a:t>
+            </a:r>
+            <a:r>
+              <a:rPr lang="de-DE" dirty="0">
+                <a:effectLst/>
+              </a:rPr>
+              <a:t>Unternehmenshistorie</a:t>
+            </a:r>
+            <a:endParaRPr lang="de-DE" dirty="0"/>
+          </a:p>
+          <a:p>
+            <a:r>
+              <a:rPr lang="de-DE" dirty="0"/>
+              <a:t>{</a:t>
+            </a:r>
+            <a:r>
+              <a:rPr lang="de-DE" dirty="0" err="1"/>
+              <a:t>slide</a:t>
+            </a:r>
+            <a:r>
+              <a:rPr lang="de-DE" dirty="0"/>
+              <a:t>}</a:t>
+            </a:r>
+          </a:p>
+          <a:p>
+            <a:endParaRPr lang="de-DE" dirty="0"/>
+          </a:p>
+          <a:p>
+            <a:r>
+              <a:rPr lang="de-DE" dirty="0"/>
+              <a:t>[</a:t>
+            </a:r>
+            <a:r>
+              <a:rPr lang="de-DE" dirty="0" err="1"/>
+              <a:t>cols</a:t>
+            </a:r>
+            <a:r>
+              <a:rPr lang="de-DE" dirty="0"/>
+              <a:t>="1,4", </a:t>
+            </a:r>
+            <a:r>
+              <a:rPr lang="de-DE" dirty="0" err="1"/>
+              <a:t>options</a:t>
+            </a:r>
+            <a:r>
+              <a:rPr lang="de-DE" dirty="0"/>
+              <a:t>="</a:t>
+            </a:r>
+            <a:r>
+              <a:rPr lang="de-DE" dirty="0" err="1"/>
+              <a:t>header</a:t>
+            </a:r>
+            <a:r>
+              <a:rPr lang="de-DE" dirty="0"/>
+              <a:t>"]</a:t>
+            </a:r>
+          </a:p>
+          <a:p>
+            <a:r>
+              <a:rPr lang="de-DE" dirty="0"/>
+              <a:t>|===</a:t>
+            </a:r>
+          </a:p>
+          <a:p>
+            <a:r>
+              <a:rPr lang="de-DE" dirty="0">
+                <a:effectLst/>
+              </a:rPr>
+              <a:t>|SAMM Inc.</a:t>
+            </a:r>
+          </a:p>
+          <a:p>
+            <a:r>
+              <a:rPr lang="de-DE" dirty="0">
+                <a:effectLst/>
+              </a:rPr>
+              <a:t>|Die aktuelle Muttergesellschaft des Unternehmens.</a:t>
+            </a:r>
+          </a:p>
+          <a:p>
+            <a:endParaRPr lang="de-DE" sz="1200" b="0" kern="1200" dirty="0">
+              <a:solidFill>
+                <a:schemeClr val="tx1"/>
+              </a:solidFill>
+              <a:effectLst/>
+              <a:latin typeface="+mn-lt"/>
+              <a:ea typeface="+mn-ea"/>
+              <a:cs typeface="+mn-cs"/>
+            </a:endParaRPr>
+          </a:p>
+          <a:p>
+            <a:r>
+              <a:rPr lang="de-DE" sz="1200" b="0" kern="1200" dirty="0">
+                <a:solidFill>
+                  <a:schemeClr val="tx1"/>
+                </a:solidFill>
+                <a:effectLst/>
+                <a:latin typeface="+mn-lt"/>
+                <a:ea typeface="+mn-ea"/>
+                <a:cs typeface="+mn-cs"/>
+              </a:rPr>
+              <a:t>|Gelb Finance AG</a:t>
+            </a:r>
+          </a:p>
+          <a:p>
+            <a:r>
+              <a:rPr lang="de-DE" sz="1200" b="0" kern="1200" dirty="0">
+                <a:solidFill>
+                  <a:schemeClr val="tx1"/>
+                </a:solidFill>
+                <a:effectLst/>
+                <a:latin typeface="+mn-lt"/>
+                <a:ea typeface="+mn-ea"/>
+                <a:cs typeface="+mn-cs"/>
+              </a:rPr>
+              <a:t>|Equity- und Venture-Capital Gesellschaft gegründet, </a:t>
+            </a:r>
+            <a:r>
+              <a:rPr lang="de-DE" sz="1200" b="0" kern="1200" dirty="0" err="1">
+                <a:solidFill>
+                  <a:schemeClr val="tx1"/>
+                </a:solidFill>
+                <a:effectLst/>
+                <a:latin typeface="+mn-lt"/>
+                <a:ea typeface="+mn-ea"/>
+                <a:cs typeface="+mn-cs"/>
+              </a:rPr>
+              <a:t>Spezialsierung</a:t>
+            </a:r>
+            <a:r>
+              <a:rPr lang="de-DE" sz="1200" b="0" kern="1200" dirty="0">
+                <a:solidFill>
+                  <a:schemeClr val="tx1"/>
+                </a:solidFill>
+                <a:effectLst/>
+                <a:latin typeface="+mn-lt"/>
+                <a:ea typeface="+mn-ea"/>
+                <a:cs typeface="+mn-cs"/>
+              </a:rPr>
+              <a:t> auf Handel. Hat seit 2003 das strategische Wachstum der SAMM Inc. und ihrer Vorgängerunternehmen durch Investitionen und Co-Management unterstützt. Hält mittlerweile ca. 28% der Anteile. Steht in http://www.wirtschaftslexikon24.com/d/wechselseitig-beteiligte-unternehmen/wechselseitig-beteiligte-unternehmen.htm[</a:t>
+            </a:r>
+            <a:r>
+              <a:rPr lang="de-DE" dirty="0">
+                <a:hlinkClick r:id="rId3"/>
+              </a:rPr>
+              <a:t>wechselseitiger Beteiligung</a:t>
+            </a:r>
+            <a:r>
+              <a:rPr lang="de-DE" dirty="0"/>
+              <a:t>]</a:t>
+            </a:r>
+            <a:r>
+              <a:rPr lang="de-DE" sz="1200" b="0" kern="1200" dirty="0">
+                <a:solidFill>
+                  <a:schemeClr val="tx1"/>
+                </a:solidFill>
+                <a:effectLst/>
+                <a:latin typeface="+mn-lt"/>
+                <a:ea typeface="+mn-ea"/>
+                <a:cs typeface="+mn-cs"/>
+              </a:rPr>
+              <a:t> mit SAMM </a:t>
+            </a:r>
+            <a:r>
+              <a:rPr lang="de-DE" sz="1200" b="0" kern="1200" dirty="0" err="1">
+                <a:solidFill>
+                  <a:schemeClr val="tx1"/>
+                </a:solidFill>
+                <a:effectLst/>
+                <a:latin typeface="+mn-lt"/>
+                <a:ea typeface="+mn-ea"/>
+                <a:cs typeface="+mn-cs"/>
+              </a:rPr>
+              <a:t>Inc</a:t>
+            </a:r>
+            <a:r>
+              <a:rPr lang="de-DE" sz="1200" b="0" kern="1200" dirty="0">
+                <a:solidFill>
+                  <a:schemeClr val="tx1"/>
+                </a:solidFill>
+                <a:effectLst/>
+                <a:latin typeface="+mn-lt"/>
+                <a:ea typeface="+mn-ea"/>
+                <a:cs typeface="+mn-cs"/>
+              </a:rPr>
+              <a:t> (die ca. 42% der Anteile an Gelb Finance hält).</a:t>
+            </a:r>
+          </a:p>
+          <a:p>
+            <a:endParaRPr lang="de-DE" sz="1200" b="0" kern="1200" dirty="0">
+              <a:solidFill>
+                <a:schemeClr val="tx1"/>
+              </a:solidFill>
+              <a:effectLst/>
+              <a:latin typeface="+mn-lt"/>
+              <a:ea typeface="+mn-ea"/>
+              <a:cs typeface="+mn-cs"/>
+            </a:endParaRPr>
+          </a:p>
+          <a:p>
+            <a:r>
+              <a:rPr lang="de-DE" sz="1200" b="0" kern="1200" dirty="0">
+                <a:solidFill>
+                  <a:schemeClr val="tx1"/>
+                </a:solidFill>
+                <a:effectLst/>
+                <a:latin typeface="+mn-lt"/>
+                <a:ea typeface="+mn-ea"/>
+                <a:cs typeface="+mn-cs"/>
+              </a:rPr>
+              <a:t>|Grau GmbH</a:t>
+            </a:r>
+          </a:p>
+          <a:p>
+            <a:r>
+              <a:rPr lang="de-DE" sz="1200" b="0" kern="1200" dirty="0">
+                <a:solidFill>
+                  <a:schemeClr val="tx1"/>
+                </a:solidFill>
+                <a:effectLst/>
+                <a:latin typeface="+mn-lt"/>
+                <a:ea typeface="+mn-ea"/>
+                <a:cs typeface="+mn-cs"/>
+              </a:rPr>
+              <a:t>|1950 gegründetes Handelsunternehmen für Kleinmöbel, diverse Filialen vorrangig in Deutschland und Europa. Nach dem Rücktritt der Gründerin haben die Erben das Portfolio des Familienunternehmens stark erweitert und in Europa kleinere Unternehmen zugekauft. Schon früh setzten sie dabei auf Individualität als Verkaufsfaktor und steigerten dadurch Ertrag und Marktanteile kontinuierlich.</a:t>
+            </a:r>
+          </a:p>
+          <a:p>
+            <a:endParaRPr lang="de-DE" sz="1200" b="0" kern="1200" dirty="0">
+              <a:solidFill>
+                <a:schemeClr val="tx1"/>
+              </a:solidFill>
+              <a:effectLst/>
+              <a:latin typeface="+mn-lt"/>
+              <a:ea typeface="+mn-ea"/>
+              <a:cs typeface="+mn-cs"/>
+            </a:endParaRPr>
+          </a:p>
+          <a:p>
+            <a:r>
+              <a:rPr lang="de-DE" sz="1200" b="0" kern="1200" dirty="0">
+                <a:solidFill>
+                  <a:schemeClr val="tx1"/>
+                </a:solidFill>
+                <a:effectLst/>
+                <a:latin typeface="+mn-lt"/>
+                <a:ea typeface="+mn-ea"/>
+                <a:cs typeface="+mn-cs"/>
+              </a:rPr>
+              <a:t>|Rot AG</a:t>
+            </a:r>
+          </a:p>
+          <a:p>
+            <a:r>
+              <a:rPr lang="de-DE" sz="1200" b="0" kern="1200" dirty="0">
+                <a:solidFill>
+                  <a:schemeClr val="tx1"/>
+                </a:solidFill>
+                <a:effectLst/>
+                <a:latin typeface="+mn-lt"/>
+                <a:ea typeface="+mn-ea"/>
+                <a:cs typeface="+mn-cs"/>
+              </a:rPr>
+              <a:t>|Starkes Wachstum und globale Ausrichtung machten 1997 die Überführung in eine Aktiengesellschaft wirtschaftlich und rechtlich notwendig. 2001 Erste gegenseitige Beteiligung mit Gelb Finance.</a:t>
+            </a:r>
+          </a:p>
+          <a:p>
+            <a:endParaRPr lang="de-DE" sz="1200" b="0" kern="1200" dirty="0">
+              <a:solidFill>
+                <a:schemeClr val="tx1"/>
+              </a:solidFill>
+              <a:effectLst/>
+              <a:latin typeface="+mn-lt"/>
+              <a:ea typeface="+mn-ea"/>
+              <a:cs typeface="+mn-cs"/>
+            </a:endParaRPr>
+          </a:p>
+          <a:p>
+            <a:r>
+              <a:rPr lang="de-DE" sz="1200" b="0" kern="1200" dirty="0">
+                <a:solidFill>
+                  <a:schemeClr val="tx1"/>
+                </a:solidFill>
+                <a:effectLst/>
+                <a:latin typeface="+mn-lt"/>
+                <a:ea typeface="+mn-ea"/>
+                <a:cs typeface="+mn-cs"/>
+              </a:rPr>
+              <a:t>|Rot Holding /Europe</a:t>
+            </a:r>
+          </a:p>
+          <a:p>
+            <a:r>
+              <a:rPr lang="de-DE" sz="1200" b="0" kern="1200" dirty="0">
+                <a:solidFill>
+                  <a:schemeClr val="tx1"/>
+                </a:solidFill>
+                <a:effectLst/>
+                <a:latin typeface="+mn-lt"/>
+                <a:ea typeface="+mn-ea"/>
+                <a:cs typeface="+mn-cs"/>
+              </a:rPr>
+              <a:t>|Aufteilung in Holding-Struktur, Gründung einiger Landesgesellschaften für regulierte oder ausfuhrbeschränkte Märkte. Rechtsvorgängerin der SAMM Inc.</a:t>
+            </a:r>
+          </a:p>
+          <a:p>
+            <a:endParaRPr lang="de-DE" sz="1200" b="0" kern="1200" dirty="0">
+              <a:solidFill>
+                <a:schemeClr val="tx1"/>
+              </a:solidFill>
+              <a:effectLst/>
+              <a:latin typeface="+mn-lt"/>
+              <a:ea typeface="+mn-ea"/>
+              <a:cs typeface="+mn-cs"/>
+            </a:endParaRPr>
+          </a:p>
+          <a:p>
+            <a:r>
+              <a:rPr lang="de-DE" sz="1200" b="0" kern="1200" dirty="0">
+                <a:solidFill>
+                  <a:schemeClr val="tx1"/>
+                </a:solidFill>
+                <a:effectLst/>
+                <a:latin typeface="+mn-lt"/>
+                <a:ea typeface="+mn-ea"/>
+                <a:cs typeface="+mn-cs"/>
+              </a:rPr>
+              <a:t>|Dr. Blau &amp; Partner</a:t>
+            </a:r>
+          </a:p>
+          <a:p>
+            <a:r>
+              <a:rPr lang="de-DE" sz="1200" b="0" kern="1200" dirty="0">
+                <a:solidFill>
+                  <a:schemeClr val="tx1"/>
+                </a:solidFill>
+                <a:effectLst/>
+                <a:latin typeface="+mn-lt"/>
+                <a:ea typeface="+mn-ea"/>
+                <a:cs typeface="+mn-cs"/>
+              </a:rPr>
+              <a:t>|Ausgründung der Atlas Software. Koordination von Logistikleistungen, insbesondere für komplexe Produkte (wie Genehmigung, Entwurf, Konfiguration, Aufbau, Inbetriebnahme, Abnahme von Industrieanlagen). Frühzeitige Investition in die Vorgängerunternehmen der </a:t>
+            </a:r>
+            <a:r>
+              <a:rPr lang="de-DE" sz="1200" b="0" kern="1200" dirty="0" err="1">
+                <a:solidFill>
+                  <a:schemeClr val="tx1"/>
+                </a:solidFill>
+                <a:effectLst/>
+                <a:latin typeface="+mn-lt"/>
+                <a:ea typeface="+mn-ea"/>
+                <a:cs typeface="+mn-cs"/>
+              </a:rPr>
+              <a:t>WebDev</a:t>
+            </a:r>
+            <a:r>
+              <a:rPr lang="de-DE" sz="1200" b="0" kern="1200" dirty="0">
+                <a:solidFill>
+                  <a:schemeClr val="tx1"/>
+                </a:solidFill>
+                <a:effectLst/>
+                <a:latin typeface="+mn-lt"/>
+                <a:ea typeface="+mn-ea"/>
+                <a:cs typeface="+mn-cs"/>
+              </a:rPr>
+              <a:t> Inc.</a:t>
+            </a:r>
+          </a:p>
+          <a:p>
+            <a:endParaRPr lang="de-DE" sz="1200" b="0" kern="1200" dirty="0">
+              <a:solidFill>
+                <a:schemeClr val="tx1"/>
+              </a:solidFill>
+              <a:effectLst/>
+              <a:latin typeface="+mn-lt"/>
+              <a:ea typeface="+mn-ea"/>
+              <a:cs typeface="+mn-cs"/>
+            </a:endParaRPr>
+          </a:p>
+          <a:p>
+            <a:r>
+              <a:rPr lang="de-DE" sz="1200" b="0" kern="1200" dirty="0">
+                <a:solidFill>
+                  <a:schemeClr val="tx1"/>
+                </a:solidFill>
+                <a:effectLst/>
+                <a:latin typeface="+mn-lt"/>
+                <a:ea typeface="+mn-ea"/>
+                <a:cs typeface="+mn-cs"/>
+              </a:rPr>
+              <a:t>|</a:t>
+            </a:r>
+            <a:r>
+              <a:rPr lang="de-DE" sz="1200" b="0" kern="1200" dirty="0" err="1">
+                <a:solidFill>
+                  <a:schemeClr val="tx1"/>
+                </a:solidFill>
+                <a:effectLst/>
+                <a:latin typeface="+mn-lt"/>
+                <a:ea typeface="+mn-ea"/>
+                <a:cs typeface="+mn-cs"/>
+              </a:rPr>
+              <a:t>WebDev</a:t>
+            </a:r>
+            <a:r>
+              <a:rPr lang="de-DE" sz="1200" b="0" kern="1200" dirty="0">
+                <a:solidFill>
+                  <a:schemeClr val="tx1"/>
+                </a:solidFill>
+                <a:effectLst/>
+                <a:latin typeface="+mn-lt"/>
+                <a:ea typeface="+mn-ea"/>
+                <a:cs typeface="+mn-cs"/>
+              </a:rPr>
+              <a:t>, Inc.</a:t>
+            </a:r>
+          </a:p>
+          <a:p>
+            <a:r>
+              <a:rPr lang="de-DE" sz="1200" b="0" kern="1200" dirty="0">
+                <a:solidFill>
+                  <a:schemeClr val="tx1"/>
+                </a:solidFill>
+                <a:effectLst/>
+                <a:latin typeface="+mn-lt"/>
+                <a:ea typeface="+mn-ea"/>
+                <a:cs typeface="+mn-cs"/>
+              </a:rPr>
+              <a:t>|Gegründet als Anbieter von eCommerce Dienstleistungen, insbesondere Softwareentwicklung. Langjährige Erfahrung in webbasierten Verkaufsplattformen, Konzeption und Entwicklung von Webshops, Integration von online-Zahlungsdiensten. 2002 erwirbt die Rot AG erste Anteile, 2010 übernimmt SAMM Inc. die </a:t>
+            </a:r>
+            <a:r>
+              <a:rPr lang="de-DE" sz="1200" b="0" kern="1200" dirty="0" err="1">
+                <a:solidFill>
+                  <a:schemeClr val="tx1"/>
+                </a:solidFill>
+                <a:effectLst/>
+                <a:latin typeface="+mn-lt"/>
+                <a:ea typeface="+mn-ea"/>
+                <a:cs typeface="+mn-cs"/>
+              </a:rPr>
+              <a:t>WebDev</a:t>
+            </a:r>
+            <a:r>
+              <a:rPr lang="de-DE" sz="1200" b="0" kern="1200" dirty="0">
+                <a:solidFill>
+                  <a:schemeClr val="tx1"/>
+                </a:solidFill>
+                <a:effectLst/>
+                <a:latin typeface="+mn-lt"/>
+                <a:ea typeface="+mn-ea"/>
+                <a:cs typeface="+mn-cs"/>
+              </a:rPr>
+              <a:t> zu 100%.</a:t>
+            </a:r>
+          </a:p>
+          <a:p>
+            <a:endParaRPr lang="de-DE" sz="1200" b="0" kern="1200" dirty="0">
+              <a:solidFill>
+                <a:schemeClr val="tx1"/>
+              </a:solidFill>
+              <a:effectLst/>
+              <a:latin typeface="+mn-lt"/>
+              <a:ea typeface="+mn-ea"/>
+              <a:cs typeface="+mn-cs"/>
+            </a:endParaRPr>
+          </a:p>
+          <a:p>
+            <a:r>
+              <a:rPr lang="de-DE" sz="1200" b="0" kern="1200" dirty="0">
+                <a:solidFill>
+                  <a:schemeClr val="tx1"/>
+                </a:solidFill>
+                <a:effectLst/>
+                <a:latin typeface="+mn-lt"/>
+                <a:ea typeface="+mn-ea"/>
+                <a:cs typeface="+mn-cs"/>
+              </a:rPr>
+              <a:t>|Atlas Software GmbH &amp; Co. KG</a:t>
+            </a:r>
+          </a:p>
+          <a:p>
+            <a:r>
+              <a:rPr lang="de-DE" sz="1200" b="0" kern="1200" dirty="0">
+                <a:solidFill>
+                  <a:schemeClr val="tx1"/>
+                </a:solidFill>
+                <a:effectLst/>
+                <a:latin typeface="+mn-lt"/>
+                <a:ea typeface="+mn-ea"/>
+                <a:cs typeface="+mn-cs"/>
+              </a:rPr>
+              <a:t>|Anbieter von Standardsoftware für öffentliche und staatliche Unternehmen in Europa, Schwerpunkt Planung und Abwicklung internationaler Waren- und Leistungsverkehre, Zoll- und Steuerabwicklung, Organisation und Koordination von Transportlogistik.</a:t>
+            </a:r>
+          </a:p>
+          <a:p>
+            <a:endParaRPr lang="de-DE" sz="1200" b="0" kern="1200" dirty="0">
+              <a:solidFill>
+                <a:schemeClr val="tx1"/>
+              </a:solidFill>
+              <a:effectLst/>
+              <a:latin typeface="+mn-lt"/>
+              <a:ea typeface="+mn-ea"/>
+              <a:cs typeface="+mn-cs"/>
+            </a:endParaRPr>
+          </a:p>
+          <a:p>
+            <a:r>
+              <a:rPr lang="de-DE" sz="1200" b="0" kern="1200" dirty="0">
+                <a:solidFill>
+                  <a:schemeClr val="tx1"/>
+                </a:solidFill>
+                <a:effectLst/>
+                <a:latin typeface="+mn-lt"/>
+                <a:ea typeface="+mn-ea"/>
+                <a:cs typeface="+mn-cs"/>
+              </a:rPr>
+              <a:t>|</a:t>
+            </a:r>
+            <a:r>
+              <a:rPr lang="de-DE" sz="1200" b="0" kern="1200" dirty="0" err="1">
+                <a:solidFill>
+                  <a:schemeClr val="tx1"/>
+                </a:solidFill>
+                <a:effectLst/>
+                <a:latin typeface="+mn-lt"/>
+                <a:ea typeface="+mn-ea"/>
+                <a:cs typeface="+mn-cs"/>
+              </a:rPr>
+              <a:t>Hodor</a:t>
+            </a:r>
+            <a:r>
+              <a:rPr lang="de-DE" sz="1200" b="0" kern="1200" dirty="0">
+                <a:solidFill>
+                  <a:schemeClr val="tx1"/>
+                </a:solidFill>
+                <a:effectLst/>
+                <a:latin typeface="+mn-lt"/>
+                <a:ea typeface="+mn-ea"/>
+                <a:cs typeface="+mn-cs"/>
+              </a:rPr>
+              <a:t> KG</a:t>
+            </a:r>
+          </a:p>
+          <a:p>
+            <a:r>
+              <a:rPr lang="de-DE" sz="1200" b="0" kern="1200" dirty="0">
+                <a:solidFill>
+                  <a:schemeClr val="tx1"/>
+                </a:solidFill>
+                <a:effectLst/>
+                <a:latin typeface="+mn-lt"/>
+                <a:ea typeface="+mn-ea"/>
+                <a:cs typeface="+mn-cs"/>
+              </a:rPr>
+              <a:t>|Ingenieurbüro mit Schwerpunkt auf Datenkonvertierung und optische Archivierung. 2003 von </a:t>
+            </a:r>
+            <a:r>
+              <a:rPr lang="de-DE" sz="1200" b="0" kern="1200" dirty="0" err="1">
+                <a:solidFill>
+                  <a:schemeClr val="tx1"/>
+                </a:solidFill>
+                <a:effectLst/>
+                <a:latin typeface="+mn-lt"/>
+                <a:ea typeface="+mn-ea"/>
+                <a:cs typeface="+mn-cs"/>
+              </a:rPr>
+              <a:t>WebDev</a:t>
+            </a:r>
+            <a:r>
+              <a:rPr lang="de-DE" sz="1200" b="0" kern="1200" dirty="0">
+                <a:solidFill>
+                  <a:schemeClr val="tx1"/>
+                </a:solidFill>
+                <a:effectLst/>
+                <a:latin typeface="+mn-lt"/>
+                <a:ea typeface="+mn-ea"/>
+                <a:cs typeface="+mn-cs"/>
+              </a:rPr>
+              <a:t> Inc. übernommen.</a:t>
+            </a:r>
+          </a:p>
+          <a:p>
+            <a:endParaRPr lang="de-DE" sz="1200" b="0" kern="1200" dirty="0">
+              <a:solidFill>
+                <a:schemeClr val="tx1"/>
+              </a:solidFill>
+              <a:effectLst/>
+              <a:latin typeface="+mn-lt"/>
+              <a:ea typeface="+mn-ea"/>
+              <a:cs typeface="+mn-cs"/>
+            </a:endParaRPr>
+          </a:p>
+          <a:p>
+            <a:r>
+              <a:rPr lang="de-DE" sz="1200" b="0" kern="1200" dirty="0">
+                <a:solidFill>
+                  <a:schemeClr val="tx1"/>
+                </a:solidFill>
+                <a:effectLst/>
+                <a:latin typeface="+mn-lt"/>
+                <a:ea typeface="+mn-ea"/>
+                <a:cs typeface="+mn-cs"/>
+              </a:rPr>
+              <a:t>|SAMM Magyar </a:t>
+            </a:r>
+            <a:r>
+              <a:rPr lang="de-DE" sz="1200" b="0" kern="1200" dirty="0" err="1">
+                <a:solidFill>
+                  <a:schemeClr val="tx1"/>
+                </a:solidFill>
+                <a:effectLst/>
+                <a:latin typeface="+mn-lt"/>
+                <a:ea typeface="+mn-ea"/>
+                <a:cs typeface="+mn-cs"/>
+              </a:rPr>
+              <a:t>Zrt</a:t>
+            </a:r>
+            <a:endParaRPr lang="de-DE" sz="1200" b="0" kern="1200" dirty="0">
+              <a:solidFill>
+                <a:schemeClr val="tx1"/>
+              </a:solidFill>
+              <a:effectLst/>
+              <a:latin typeface="+mn-lt"/>
+              <a:ea typeface="+mn-ea"/>
+              <a:cs typeface="+mn-cs"/>
+            </a:endParaRPr>
+          </a:p>
+          <a:p>
+            <a:r>
+              <a:rPr lang="de-DE" sz="1200" b="0" kern="1200" dirty="0">
+                <a:solidFill>
+                  <a:schemeClr val="tx1"/>
+                </a:solidFill>
+                <a:effectLst/>
+                <a:latin typeface="+mn-lt"/>
+                <a:ea typeface="+mn-ea"/>
+                <a:cs typeface="+mn-cs"/>
+              </a:rPr>
+              <a:t>|2008 übernahm Rot Holding einen ungarischen IT-Anbieter, spezialisiert auf </a:t>
+            </a:r>
+            <a:r>
+              <a:rPr lang="de-DE" sz="1200" b="0" i="1" kern="1200" dirty="0" err="1">
+                <a:solidFill>
+                  <a:schemeClr val="tx1"/>
+                </a:solidFill>
+                <a:effectLst/>
+                <a:latin typeface="+mn-lt"/>
+                <a:ea typeface="+mn-ea"/>
+                <a:cs typeface="+mn-cs"/>
+              </a:rPr>
+              <a:t>cross</a:t>
+            </a:r>
+            <a:r>
+              <a:rPr lang="de-DE" sz="1200" b="0" i="1" kern="1200" dirty="0">
+                <a:solidFill>
+                  <a:schemeClr val="tx1"/>
+                </a:solidFill>
+                <a:effectLst/>
+                <a:latin typeface="+mn-lt"/>
+                <a:ea typeface="+mn-ea"/>
+                <a:cs typeface="+mn-cs"/>
+              </a:rPr>
+              <a:t> </a:t>
+            </a:r>
+            <a:r>
+              <a:rPr lang="de-DE" sz="1200" b="0" i="1" kern="1200" dirty="0" err="1">
+                <a:solidFill>
+                  <a:schemeClr val="tx1"/>
+                </a:solidFill>
+                <a:effectLst/>
+                <a:latin typeface="+mn-lt"/>
+                <a:ea typeface="+mn-ea"/>
+                <a:cs typeface="+mn-cs"/>
+              </a:rPr>
+              <a:t>border</a:t>
+            </a:r>
+            <a:r>
+              <a:rPr lang="de-DE" sz="1200" b="0" i="1" kern="1200" dirty="0">
+                <a:solidFill>
+                  <a:schemeClr val="tx1"/>
+                </a:solidFill>
+                <a:effectLst/>
+                <a:latin typeface="+mn-lt"/>
+                <a:ea typeface="+mn-ea"/>
+                <a:cs typeface="+mn-cs"/>
+              </a:rPr>
+              <a:t> </a:t>
+            </a:r>
+            <a:r>
+              <a:rPr lang="de-DE" sz="1200" b="0" i="1" kern="1200" dirty="0" err="1">
+                <a:solidFill>
+                  <a:schemeClr val="tx1"/>
+                </a:solidFill>
+                <a:effectLst/>
+                <a:latin typeface="+mn-lt"/>
+                <a:ea typeface="+mn-ea"/>
+                <a:cs typeface="+mn-cs"/>
+              </a:rPr>
+              <a:t>business</a:t>
+            </a:r>
+            <a:r>
+              <a:rPr lang="de-DE" sz="1200" b="0" i="1" kern="1200" dirty="0">
+                <a:solidFill>
+                  <a:schemeClr val="tx1"/>
+                </a:solidFill>
+                <a:effectLst/>
+                <a:latin typeface="+mn-lt"/>
+                <a:ea typeface="+mn-ea"/>
+                <a:cs typeface="+mn-cs"/>
+              </a:rPr>
+              <a:t> </a:t>
+            </a:r>
+            <a:r>
+              <a:rPr lang="de-DE" sz="1200" b="0" i="1" kern="1200" dirty="0" err="1">
+                <a:solidFill>
+                  <a:schemeClr val="tx1"/>
+                </a:solidFill>
+                <a:effectLst/>
+                <a:latin typeface="+mn-lt"/>
+                <a:ea typeface="+mn-ea"/>
+                <a:cs typeface="+mn-cs"/>
+              </a:rPr>
+              <a:t>process</a:t>
+            </a:r>
+            <a:r>
+              <a:rPr lang="de-DE" sz="1200" b="0" i="1" kern="1200" dirty="0">
+                <a:solidFill>
+                  <a:schemeClr val="tx1"/>
+                </a:solidFill>
+                <a:effectLst/>
+                <a:latin typeface="+mn-lt"/>
+                <a:ea typeface="+mn-ea"/>
+                <a:cs typeface="+mn-cs"/>
+              </a:rPr>
+              <a:t> </a:t>
+            </a:r>
+            <a:r>
+              <a:rPr lang="de-DE" sz="1200" b="0" i="1" kern="1200" dirty="0" err="1">
+                <a:solidFill>
+                  <a:schemeClr val="tx1"/>
+                </a:solidFill>
+                <a:effectLst/>
+                <a:latin typeface="+mn-lt"/>
+                <a:ea typeface="+mn-ea"/>
+                <a:cs typeface="+mn-cs"/>
+              </a:rPr>
+              <a:t>outsourcing</a:t>
+            </a:r>
+            <a:r>
+              <a:rPr lang="de-DE" sz="1200" b="0" kern="1200" dirty="0">
+                <a:solidFill>
+                  <a:schemeClr val="tx1"/>
+                </a:solidFill>
+                <a:effectLst/>
+                <a:latin typeface="+mn-lt"/>
+                <a:ea typeface="+mn-ea"/>
+                <a:cs typeface="+mn-cs"/>
+              </a:rPr>
+              <a:t> (CBBPO). </a:t>
+            </a:r>
+            <a:r>
+              <a:rPr lang="de-DE" sz="1200" b="0" kern="1200" dirty="0" err="1">
+                <a:solidFill>
+                  <a:schemeClr val="tx1"/>
+                </a:solidFill>
+                <a:effectLst/>
+                <a:latin typeface="+mn-lt"/>
+                <a:ea typeface="+mn-ea"/>
+                <a:cs typeface="+mn-cs"/>
+                <a:hlinkClick r:id="rId4"/>
+              </a:rPr>
+              <a:t>Infopark</a:t>
+            </a:r>
+            <a:r>
+              <a:rPr lang="de-DE" sz="1200" b="0" kern="1200" dirty="0">
+                <a:solidFill>
+                  <a:schemeClr val="tx1"/>
+                </a:solidFill>
+                <a:effectLst/>
+                <a:latin typeface="+mn-lt"/>
+                <a:ea typeface="+mn-ea"/>
+                <a:cs typeface="+mn-cs"/>
+                <a:hlinkClick r:id="rId4"/>
+              </a:rPr>
+              <a:t> Innovation </a:t>
+            </a:r>
+            <a:r>
+              <a:rPr lang="de-DE" sz="1200" b="0" kern="1200" dirty="0" err="1">
+                <a:solidFill>
+                  <a:schemeClr val="tx1"/>
+                </a:solidFill>
+                <a:effectLst/>
+                <a:latin typeface="+mn-lt"/>
+                <a:ea typeface="+mn-ea"/>
+                <a:cs typeface="+mn-cs"/>
+                <a:hlinkClick r:id="rId4"/>
+              </a:rPr>
+              <a:t>Centre</a:t>
+            </a:r>
+            <a:r>
+              <a:rPr lang="de-DE" sz="1200" b="0" kern="1200" dirty="0">
+                <a:solidFill>
+                  <a:schemeClr val="tx1"/>
+                </a:solidFill>
+                <a:effectLst/>
+                <a:latin typeface="+mn-lt"/>
+                <a:ea typeface="+mn-ea"/>
+                <a:cs typeface="+mn-cs"/>
+              </a:rPr>
+              <a:t>, Budapest, </a:t>
+            </a:r>
+            <a:r>
+              <a:rPr lang="de-DE" sz="1200" b="0" kern="1200" dirty="0" err="1">
+                <a:solidFill>
+                  <a:schemeClr val="tx1"/>
+                </a:solidFill>
+                <a:effectLst/>
+                <a:latin typeface="+mn-lt"/>
+                <a:ea typeface="+mn-ea"/>
+                <a:cs typeface="+mn-cs"/>
+              </a:rPr>
+              <a:t>Hungary</a:t>
+            </a:r>
+            <a:endParaRPr lang="de-DE" sz="1200" b="0" kern="1200" dirty="0">
+              <a:solidFill>
+                <a:schemeClr val="tx1"/>
+              </a:solidFill>
+              <a:effectLst/>
+              <a:latin typeface="+mn-lt"/>
+              <a:ea typeface="+mn-ea"/>
+              <a:cs typeface="+mn-cs"/>
+            </a:endParaRPr>
+          </a:p>
+          <a:p>
+            <a:endParaRPr lang="de-DE" sz="1200" b="0" kern="1200" dirty="0">
+              <a:solidFill>
+                <a:schemeClr val="tx1"/>
+              </a:solidFill>
+              <a:effectLst/>
+              <a:latin typeface="+mn-lt"/>
+              <a:ea typeface="+mn-ea"/>
+              <a:cs typeface="+mn-cs"/>
+            </a:endParaRPr>
+          </a:p>
+          <a:p>
+            <a:r>
+              <a:rPr lang="de-DE" sz="1200" b="0" kern="1200" dirty="0">
+                <a:solidFill>
+                  <a:schemeClr val="tx1"/>
+                </a:solidFill>
+                <a:effectLst/>
+                <a:latin typeface="+mn-lt"/>
+                <a:ea typeface="+mn-ea"/>
+                <a:cs typeface="+mn-cs"/>
+              </a:rPr>
+              <a:t>|SAMM Urdu Ltd</a:t>
+            </a:r>
+          </a:p>
+          <a:p>
+            <a:r>
+              <a:rPr lang="de-DE" sz="1200" b="0" kern="1200" dirty="0">
+                <a:solidFill>
+                  <a:schemeClr val="tx1"/>
+                </a:solidFill>
+                <a:effectLst/>
+                <a:latin typeface="+mn-lt"/>
+                <a:ea typeface="+mn-ea"/>
+                <a:cs typeface="+mn-cs"/>
+                <a:hlinkClick r:id="rId5"/>
+              </a:rPr>
+              <a:t>|</a:t>
+            </a:r>
+            <a:r>
+              <a:rPr lang="de-DE" sz="1200" b="0" kern="1200" dirty="0" err="1">
+                <a:solidFill>
+                  <a:schemeClr val="tx1"/>
+                </a:solidFill>
+                <a:effectLst/>
+                <a:latin typeface="+mn-lt"/>
+                <a:ea typeface="+mn-ea"/>
+                <a:cs typeface="+mn-cs"/>
+                <a:hlinkClick r:id="rId5"/>
+              </a:rPr>
+              <a:t>Arfa</a:t>
+            </a:r>
+            <a:r>
+              <a:rPr lang="de-DE" sz="1200" b="0" kern="1200" dirty="0">
+                <a:solidFill>
+                  <a:schemeClr val="tx1"/>
+                </a:solidFill>
+                <a:effectLst/>
+                <a:latin typeface="+mn-lt"/>
+                <a:ea typeface="+mn-ea"/>
+                <a:cs typeface="+mn-cs"/>
+                <a:hlinkClick r:id="rId5"/>
+              </a:rPr>
+              <a:t> Technology Park</a:t>
+            </a:r>
+            <a:r>
+              <a:rPr lang="de-DE" sz="1200" b="0" kern="1200" dirty="0">
+                <a:solidFill>
+                  <a:schemeClr val="tx1"/>
+                </a:solidFill>
+                <a:effectLst/>
+                <a:latin typeface="+mn-lt"/>
+                <a:ea typeface="+mn-ea"/>
+                <a:cs typeface="+mn-cs"/>
+              </a:rPr>
+              <a:t>, Lahore, Pakistan.</a:t>
+            </a:r>
+          </a:p>
+          <a:p>
+            <a:endParaRPr lang="de-DE" sz="1200" b="0" kern="1200" dirty="0">
+              <a:solidFill>
+                <a:schemeClr val="tx1"/>
+              </a:solidFill>
+              <a:effectLst/>
+              <a:latin typeface="+mn-lt"/>
+              <a:ea typeface="+mn-ea"/>
+              <a:cs typeface="+mn-cs"/>
+            </a:endParaRPr>
+          </a:p>
+          <a:p>
+            <a:r>
+              <a:rPr lang="de-DE" sz="1200" b="0" kern="1200" dirty="0">
+                <a:solidFill>
+                  <a:schemeClr val="tx1"/>
+                </a:solidFill>
+                <a:effectLst/>
+                <a:latin typeface="+mn-lt"/>
+                <a:ea typeface="+mn-ea"/>
+                <a:cs typeface="+mn-cs"/>
+              </a:rPr>
+              <a:t>|Sure Data Inc.</a:t>
+            </a:r>
+          </a:p>
+          <a:p>
+            <a:r>
+              <a:rPr lang="de-DE" sz="1200" b="0" kern="1200" dirty="0">
+                <a:solidFill>
+                  <a:schemeClr val="tx1"/>
+                </a:solidFill>
+                <a:effectLst/>
+                <a:latin typeface="+mn-lt"/>
+                <a:ea typeface="+mn-ea"/>
+                <a:cs typeface="+mn-cs"/>
+              </a:rPr>
+              <a:t>Rechenzentrumsdienstleistung, betreibt hochverfügbare Rechenzentren in EMEA, Amerika und Asien. SAMM Inc. hat bereits in 2005 etwa 25% der Anteile übernommen. Leistet den kompletten IT-Betrieb für SAMM Inc.</a:t>
+            </a:r>
+          </a:p>
+          <a:p>
+            <a:endParaRPr lang="de-DE" dirty="0"/>
+          </a:p>
+          <a:p>
+            <a:r>
+              <a:rPr lang="de-DE" dirty="0"/>
+              <a:t>|===</a:t>
+            </a:r>
+          </a:p>
+          <a:p>
+            <a:endParaRPr lang="de-DE" dirty="0"/>
+          </a:p>
+        </p:txBody>
+      </p:sp>
+      <p:sp>
+        <p:nvSpPr>
+          <p:cNvPr id="4" name="Slide Number Placeholder 3"/>
+          <p:cNvSpPr>
+            <a:spLocks noGrp="1"/>
+          </p:cNvSpPr>
+          <p:nvPr>
+            <p:ph type="sldNum" sz="quarter" idx="10"/>
+          </p:nvPr>
+        </p:nvSpPr>
+        <p:spPr/>
+        <p:txBody>
+          <a:bodyPr/>
+          <a:lstStyle/>
+          <a:p>
+            <a:fld id="{6F4027FC-A791-4169-9F64-57CEBBE8DA16}" type="slidenum">
+              <a:rPr lang="de-DE" smtClean="0"/>
+              <a:t>2</a:t>
+            </a:fld>
+            <a:endParaRPr lang="de-DE"/>
+          </a:p>
+        </p:txBody>
+      </p:sp>
+    </p:spTree>
+    <p:extLst>
+      <p:ext uri="{BB962C8B-B14F-4D97-AF65-F5344CB8AC3E}">
+        <p14:creationId xmlns:p14="http://schemas.microsoft.com/office/powerpoint/2010/main" val="226498771"/>
+      </p:ext>
+    </p:extLst>
+  </p:cSld>
+  <p:clrMapOvr>
+    <a:masterClrMapping/>
+  </p:clrMapOvr>
+</p:notes>
+</file>
+
+<file path=ppt/notesSlides/notesSlide3.xml><?xml version="1.0" encoding="utf-8"?>
+<p:notes xmlns:a="http://schemas.openxmlformats.org/drawingml/2006/main" xmlns:r="http://schemas.openxmlformats.org/officeDocument/2006/relationships" xmlns:p="http://schemas.openxmlformats.org/presentationml/2006/main">
+  <p:cSld>
+    <p:spTree>
+      <p:nvGrpSpPr>
+        <p:cNvPr id="1" name=""/>
+        <p:cNvGrpSpPr/>
+        <p:nvPr/>
+      </p:nvGrpSpPr>
+      <p:grpSpPr>
+        <a:xfrm>
+          <a:off x="0" y="0"/>
+          <a:ext cx="0" cy="0"/>
+          <a:chOff x="0" y="0"/>
+          <a:chExt cx="0" cy="0"/>
+        </a:xfrm>
+      </p:grpSpPr>
+      <p:sp>
+        <p:nvSpPr>
+          <p:cNvPr id="2" name="Slide Image Placeholder 1"/>
+          <p:cNvSpPr>
+            <a:spLocks noGrp="1" noRot="1" noChangeAspect="1"/>
+          </p:cNvSpPr>
+          <p:nvPr>
+            <p:ph type="sldImg"/>
+          </p:nvPr>
+        </p:nvSpPr>
+        <p:spPr/>
+      </p:sp>
+      <p:sp>
+        <p:nvSpPr>
+          <p:cNvPr id="3" name="Notes Placeholder 2"/>
+          <p:cNvSpPr>
+            <a:spLocks noGrp="1"/>
+          </p:cNvSpPr>
+          <p:nvPr>
+            <p:ph type="body" idx="1"/>
+          </p:nvPr>
+        </p:nvSpPr>
+        <p:spPr/>
+        <p:txBody>
+          <a:bodyPr/>
+          <a:lstStyle/>
+          <a:p>
+            <a:r>
+              <a:rPr lang="de-DE" dirty="0"/>
+              <a:t>{</a:t>
+            </a:r>
+            <a:r>
+              <a:rPr lang="de-DE" dirty="0" err="1"/>
+              <a:t>adoc</a:t>
+            </a:r>
+            <a:r>
+              <a:rPr lang="de-DE" dirty="0"/>
+              <a:t>}</a:t>
+            </a:r>
+          </a:p>
+          <a:p>
+            <a:endParaRPr lang="de-DE" dirty="0"/>
+          </a:p>
+          <a:p>
+            <a:r>
               <a:rPr lang="de-DE" sz="1200" b="0" kern="1200" dirty="0">
                 <a:solidFill>
                   <a:schemeClr val="tx1"/>
@@ -1685,6 +1797,17 @@
               </a:rPr>
               <a:t>=== Geschäftsziele</a:t>
             </a:r>
+          </a:p>
+          <a:p>
+            <a:endParaRPr lang="de-DE" sz="1200" b="0" kern="1200" dirty="0">
+              <a:solidFill>
+                <a:schemeClr val="tx1"/>
+              </a:solidFill>
+              <a:effectLst/>
+              <a:latin typeface="+mn-lt"/>
+              <a:ea typeface="+mn-ea"/>
+              <a:cs typeface="+mn-cs"/>
+            </a:endParaRPr>
           </a:p>
           <a:p>
             <a:r>
@@ -1800,7 +1923,99 @@
 </p:notes>
 </file>
 
-<file path=ppt/notesSlides/notesSlide3.xml><?xml version="1.0" encoding="utf-8"?>
+<file path=ppt/notesSlides/notesSlide4.xml><?xml version="1.0" encoding="utf-8"?>
+<p:notes xmlns:a="http://schemas.openxmlformats.org/drawingml/2006/main" xmlns:r="http://schemas.openxmlformats.org/officeDocument/2006/relationships" xmlns:p="http://schemas.openxmlformats.org/presentationml/2006/main">
+  <p:cSld>
+    <p:spTree>
+      <p:nvGrpSpPr>
+        <p:cNvPr id="1" name=""/>
+        <p:cNvGrpSpPr/>
+        <p:nvPr/>
+      </p:nvGrpSpPr>
+      <p:grpSpPr>
+        <a:xfrm>
+          <a:off x="0" y="0"/>
+          <a:ext cx="0" cy="0"/>
+          <a:chOff x="0" y="0"/>
+          <a:chExt cx="0" cy="0"/>
+        </a:xfrm>
+      </p:grpSpPr>
+      <p:sp>
+        <p:nvSpPr>
+          <p:cNvPr id="2" name="Slide Image Placeholder 1"/>
+          <p:cNvSpPr>
+            <a:spLocks noGrp="1" noRot="1" noChangeAspect="1"/>
+          </p:cNvSpPr>
+          <p:nvPr>
+            <p:ph type="sldImg"/>
+          </p:nvPr>
+        </p:nvSpPr>
+        <p:spPr/>
+      </p:sp>
+      <p:sp>
+        <p:nvSpPr>
+          <p:cNvPr id="3" name="Notes Placeholder 2"/>
+          <p:cNvSpPr>
+            <a:spLocks noGrp="1"/>
+          </p:cNvSpPr>
+          <p:nvPr>
+            <p:ph type="body" idx="1"/>
+          </p:nvPr>
+        </p:nvSpPr>
+        <p:spPr/>
+        <p:txBody>
+          <a:bodyPr/>
+          <a:lstStyle/>
+          <a:p>
+            <a:r>
+              <a:rPr lang="en-US" dirty="0"/>
+              <a:t>== </a:t>
+            </a:r>
+            <a:r>
+              <a:rPr lang="en-US"/>
+              <a:t>Unternehmensstruktur</a:t>
+            </a:r>
+            <a:endParaRPr lang="de-DE"/>
+          </a:p>
+        </p:txBody>
+      </p:sp>
+      <p:sp>
+        <p:nvSpPr>
+          <p:cNvPr id="4" name="Slide Number Placeholder 3"/>
+          <p:cNvSpPr>
+            <a:spLocks noGrp="1"/>
+          </p:cNvSpPr>
+          <p:nvPr>
+            <p:ph type="sldNum" sz="quarter" idx="10"/>
+          </p:nvPr>
+        </p:nvSpPr>
+        <p:spPr/>
+        <p:txBody>
+          <a:bodyPr/>
+          <a:lstStyle/>
+          <a:p>
+            <a:fld id="{6F4027FC-A791-4169-9F64-57CEBBE8DA16}" type="slidenum">
+              <a:rPr lang="de-DE" smtClean="0"/>
+              <a:t>4</a:t>
+            </a:fld>
+            <a:endParaRPr lang="de-DE"/>
+          </a:p>
+        </p:txBody>
+      </p:sp>
+    </p:spTree>
+    <p:extLst>
+      <p:ext uri="{BB962C8B-B14F-4D97-AF65-F5344CB8AC3E}">
+        <p14:creationId xmlns:p14="http://schemas.microsoft.com/office/powerpoint/2010/main" val="1473548563"/>
+      </p:ext>
+    </p:extLst>
+  </p:cSld>
+  <p:clrMapOvr>
+    <a:masterClrMapping/>
+  </p:clrMapOvr>
+</p:notes>
+</file>
+
+<file path=ppt/notesSlides/notesSlide5.xml><?xml version="1.0" encoding="utf-8"?>
 <p:notes xmlns:a="http://schemas.openxmlformats.org/drawingml/2006/main" xmlns:r="http://schemas.openxmlformats.org/officeDocument/2006/relationships" xmlns:p="http://schemas.openxmlformats.org/presentationml/2006/main">
   <p:cSld>
     <p:spTree>
@@ -7430,7 +7645,7 @@
           <p:nvPr/>
         </p:nvPicPr>
         <p:blipFill>
-          <a:blip r:embed="rId2">
+          <a:blip r:embed="rId3">
             <a:extLst>
               <a:ext uri="{28A0092B-C50C-407E-A947-70E740481C1C}">
                 <a14:useLocalDpi xmlns:a14="http://schemas.microsoft.com/office/drawing/2010/main" val="0"/>
@@ -7676,7 +7891,7 @@
           <p:nvPr/>
         </p:nvPicPr>
         <p:blipFill>
-          <a:blip r:embed="rId3">
+          <a:blip r:embed="rId4">
             <a:extLst>
               <a:ext uri="{28A0092B-C50C-407E-A947-70E740481C1C}">
                 <a14:useLocalDpi xmlns:a14="http://schemas.microsoft.com/office/drawing/2010/main" val="0"/>
